--- a/Tic-Tac-Toe.pptx
+++ b/Tic-Tac-Toe.pptx
@@ -126,6 +126,7 @@
 <p1510:revInfo xmlns:a="http://schemas.openxmlformats.org/drawingml/2006/main" xmlns:r="http://schemas.openxmlformats.org/officeDocument/2006/relationships" xmlns:p1510="http://schemas.microsoft.com/office/powerpoint/2015/10/main">
   <p1510:revLst>
     <p1510:client id="{99327F07-2DC6-4E97-9319-C2C526DD4166}" v="2027" dt="2021-10-26T21:08:25.537"/>
+    <p1510:client id="{C69C741B-3983-0A01-CA1A-233F468A673E}" v="142" dt="2021-10-26T21:59:04.792"/>
     <p1510:client id="{FAA3A042-685D-4B43-9388-DAEE655F7969}" v="50" dt="2021-10-21T03:40:58.350"/>
   </p1510:revLst>
 </p1510:revInfo>
@@ -133,6 +134,38 @@
 
 <file path=ppt/changesInfos/changesInfo1.xml><?xml version="1.0" encoding="utf-8"?>
 <pc:chgInfo xmlns:a="http://schemas.openxmlformats.org/drawingml/2006/main" xmlns:r="http://schemas.openxmlformats.org/officeDocument/2006/relationships" xmlns:ac="http://schemas.microsoft.com/office/drawing/2013/main/command" xmlns:pc="http://schemas.microsoft.com/office/powerpoint/2013/main/command">
+  <pc:docChgLst>
+    <pc:chgData name="Subbarao Avinash" userId="S::avinash.kala@nexturntech.com::31968115-b9c1-417e-8e43-a3f3797d0324" providerId="AD" clId="Web-{C69C741B-3983-0A01-CA1A-233F468A673E}"/>
+    <pc:docChg chg="modSld">
+      <pc:chgData name="Subbarao Avinash" userId="S::avinash.kala@nexturntech.com::31968115-b9c1-417e-8e43-a3f3797d0324" providerId="AD" clId="Web-{C69C741B-3983-0A01-CA1A-233F468A673E}" dt="2021-10-26T21:59:04.792" v="74" actId="1076"/>
+      <pc:docMkLst>
+        <pc:docMk/>
+      </pc:docMkLst>
+      <pc:sldChg chg="modSp">
+        <pc:chgData name="Subbarao Avinash" userId="S::avinash.kala@nexturntech.com::31968115-b9c1-417e-8e43-a3f3797d0324" providerId="AD" clId="Web-{C69C741B-3983-0A01-CA1A-233F468A673E}" dt="2021-10-26T21:59:04.792" v="74" actId="1076"/>
+        <pc:sldMkLst>
+          <pc:docMk/>
+          <pc:sldMk cId="3048669631" sldId="311"/>
+        </pc:sldMkLst>
+        <pc:spChg chg="mod">
+          <ac:chgData name="Subbarao Avinash" userId="S::avinash.kala@nexturntech.com::31968115-b9c1-417e-8e43-a3f3797d0324" providerId="AD" clId="Web-{C69C741B-3983-0A01-CA1A-233F468A673E}" dt="2021-10-26T21:59:01.776" v="73" actId="20577"/>
+          <ac:spMkLst>
+            <pc:docMk/>
+            <pc:sldMk cId="3048669631" sldId="311"/>
+            <ac:spMk id="7" creationId="{2F379040-6B61-4ECA-A06A-B3F2683737F8}"/>
+          </ac:spMkLst>
+        </pc:spChg>
+        <pc:spChg chg="mod">
+          <ac:chgData name="Subbarao Avinash" userId="S::avinash.kala@nexturntech.com::31968115-b9c1-417e-8e43-a3f3797d0324" providerId="AD" clId="Web-{C69C741B-3983-0A01-CA1A-233F468A673E}" dt="2021-10-26T21:59:04.792" v="74" actId="1076"/>
+          <ac:spMkLst>
+            <pc:docMk/>
+            <pc:sldMk cId="3048669631" sldId="311"/>
+            <ac:spMk id="8" creationId="{60C239D7-D461-451F-98AC-EB1137EDBD9B}"/>
+          </ac:spMkLst>
+        </pc:spChg>
+      </pc:sldChg>
+    </pc:docChg>
+  </pc:docChgLst>
   <pc:docChgLst>
     <pc:chgData name="Subbarao Avinash" userId="S::avinash.kala@nexturntech.com::31968115-b9c1-417e-8e43-a3f3797d0324" providerId="AD" clId="Web-{99327F07-2DC6-4E97-9319-C2C526DD4166}"/>
     <pc:docChg chg="addSld delSld modSld sldOrd">
@@ -1554,7 +1587,7 @@
           <a:p>
             <a:fld id="{74038B93-8BAC-6243-8133-0973B962BEC0}" type="slidenum">
               <a:rPr lang="en-US" smtClean="0"/>
-              <a:t>3</a:t>
+              <a:t>5</a:t>
             </a:fld>
             <a:endParaRPr lang="en-US"/>
           </a:p>
@@ -14471,7 +14504,7 @@
               <a:rPr lang="en-GB" dirty="0">
                 <a:cs typeface="Arial"/>
               </a:rPr>
-              <a:t>Monolithic application with all the game controls implemented in REST, to keep it extendible for other applications.</a:t>
+              <a:t>Monolithic application with all the game controls implemented in REST, to keep it extendible.</a:t>
             </a:r>
           </a:p>
           <a:p>
@@ -14479,9 +14512,12 @@
               <a:buFont typeface="Arial"/>
               <a:buChar char="•"/>
             </a:pPr>
-            <a:endParaRPr lang="en-GB" dirty="0">
-              <a:cs typeface="Arial"/>
-            </a:endParaRPr>
+            <a:r>
+              <a:rPr lang="en-GB" dirty="0">
+                <a:cs typeface="Arial"/>
+              </a:rPr>
+              <a:t>Implemented Web Version alone as a Vanilla implementation. Can extend to Desktop and Mobile versions using JAVAFX and Android/Angular respectively.</a:t>
+            </a:r>
           </a:p>
         </p:txBody>
       </p:sp>
@@ -14499,7 +14535,7 @@
         </p:nvSpPr>
         <p:spPr>
           <a:xfrm>
-            <a:off x="468702" y="3214776"/>
+            <a:off x="468702" y="3401682"/>
             <a:ext cx="10593236" cy="3077766"/>
           </a:xfrm>
           <a:prstGeom prst="rect">
@@ -17131,6 +17167,12 @@
 </file>
 
 <file path=customXml/item1.xml><?xml version="1.0" encoding="utf-8"?>
+<p:properties xmlns:p="http://schemas.microsoft.com/office/2006/metadata/properties" xmlns:xsi="http://www.w3.org/2001/XMLSchema-instance" xmlns:pc="http://schemas.microsoft.com/office/infopath/2007/PartnerControls">
+  <documentManagement/>
+</p:properties>
+</file>
+
+<file path=customXml/item2.xml><?xml version="1.0" encoding="utf-8"?>
 <ct:contentTypeSchema xmlns:ct="http://schemas.microsoft.com/office/2006/metadata/contentType" xmlns:ma="http://schemas.microsoft.com/office/2006/metadata/properties/metaAttributes" ct:_="" ma:_="" ma:contentTypeName="Document" ma:contentTypeID="0x010100EF6F94525AE0714198489ACDB914FD78" ma:contentTypeVersion="2" ma:contentTypeDescription="Create a new document." ma:contentTypeScope="" ma:versionID="f9ef3d92dadf13299470024123a84034">
   <xsd:schema xmlns:xsd="http://www.w3.org/2001/XMLSchema" xmlns:xs="http://www.w3.org/2001/XMLSchema" xmlns:p="http://schemas.microsoft.com/office/2006/metadata/properties" xmlns:ns2="1e108bbf-7a2a-4874-81f1-8f4c23de400c" targetNamespace="http://schemas.microsoft.com/office/2006/metadata/properties" ma:root="true" ma:fieldsID="1cb0837958f74a53fc423cbb76670693" ns2:_="">
     <xsd:import namespace="1e108bbf-7a2a-4874-81f1-8f4c23de400c"/>
@@ -17262,12 +17304,6 @@
 </ct:contentTypeSchema>
 </file>
 
-<file path=customXml/item2.xml><?xml version="1.0" encoding="utf-8"?>
-<p:properties xmlns:p="http://schemas.microsoft.com/office/2006/metadata/properties" xmlns:xsi="http://www.w3.org/2001/XMLSchema-instance" xmlns:pc="http://schemas.microsoft.com/office/infopath/2007/PartnerControls">
-  <documentManagement/>
-</p:properties>
-</file>
-
 <file path=customXml/item3.xml><?xml version="1.0" encoding="utf-8"?>
 <?mso-contentType ?>
 <FormTemplates xmlns="http://schemas.microsoft.com/sharepoint/v3/contenttype/forms">
@@ -17278,6 +17314,22 @@
 </file>
 
 <file path=customXml/itemProps1.xml><?xml version="1.0" encoding="utf-8"?>
+<ds:datastoreItem xmlns:ds="http://schemas.openxmlformats.org/officeDocument/2006/customXml" ds:itemID="{7E75805B-7B69-465B-AE1E-726924909DA9}">
+  <ds:schemaRefs>
+    <ds:schemaRef ds:uri="http://schemas.microsoft.com/office/infopath/2007/PartnerControls"/>
+    <ds:schemaRef ds:uri="http://schemas.microsoft.com/office/2006/documentManagement/types"/>
+    <ds:schemaRef ds:uri="http://schemas.microsoft.com/office/2006/metadata/properties"/>
+    <ds:schemaRef ds:uri="http://www.w3.org/XML/1998/namespace"/>
+    <ds:schemaRef ds:uri="http://purl.org/dc/terms/"/>
+    <ds:schemaRef ds:uri="1e108bbf-7a2a-4874-81f1-8f4c23de400c"/>
+    <ds:schemaRef ds:uri="http://purl.org/dc/elements/1.1/"/>
+    <ds:schemaRef ds:uri="http://schemas.openxmlformats.org/package/2006/metadata/core-properties"/>
+    <ds:schemaRef ds:uri="http://purl.org/dc/dcmitype/"/>
+  </ds:schemaRefs>
+</ds:datastoreItem>
+</file>
+
+<file path=customXml/itemProps2.xml><?xml version="1.0" encoding="utf-8"?>
 <ds:datastoreItem xmlns:ds="http://schemas.openxmlformats.org/officeDocument/2006/customXml" ds:itemID="{E633F535-A8EB-40FB-9C8E-9F9292C6F01B}">
   <ds:schemaRefs>
     <ds:schemaRef ds:uri="1e108bbf-7a2a-4874-81f1-8f4c23de400c"/>
@@ -17295,22 +17347,6 @@
 </ds:datastoreItem>
 </file>
 
-<file path=customXml/itemProps2.xml><?xml version="1.0" encoding="utf-8"?>
-<ds:datastoreItem xmlns:ds="http://schemas.openxmlformats.org/officeDocument/2006/customXml" ds:itemID="{7E75805B-7B69-465B-AE1E-726924909DA9}">
-  <ds:schemaRefs>
-    <ds:schemaRef ds:uri="http://schemas.microsoft.com/office/infopath/2007/PartnerControls"/>
-    <ds:schemaRef ds:uri="http://schemas.microsoft.com/office/2006/documentManagement/types"/>
-    <ds:schemaRef ds:uri="http://schemas.microsoft.com/office/2006/metadata/properties"/>
-    <ds:schemaRef ds:uri="http://www.w3.org/XML/1998/namespace"/>
-    <ds:schemaRef ds:uri="http://purl.org/dc/terms/"/>
-    <ds:schemaRef ds:uri="1e108bbf-7a2a-4874-81f1-8f4c23de400c"/>
-    <ds:schemaRef ds:uri="http://purl.org/dc/elements/1.1/"/>
-    <ds:schemaRef ds:uri="http://schemas.openxmlformats.org/package/2006/metadata/core-properties"/>
-    <ds:schemaRef ds:uri="http://purl.org/dc/dcmitype/"/>
-  </ds:schemaRefs>
-</ds:datastoreItem>
-</file>
-
 <file path=customXml/itemProps3.xml><?xml version="1.0" encoding="utf-8"?>
 <ds:datastoreItem xmlns:ds="http://schemas.openxmlformats.org/officeDocument/2006/customXml" ds:itemID="{263ECA17-E0CF-4FC1-9B3B-2FB067E53AE6}">
   <ds:schemaRefs>
